--- a/guns and games.pptx
+++ b/guns and games.pptx
@@ -13,6 +13,7 @@
     <p:sldId id="258" r:id="rId8"/>
     <p:sldId id="259" r:id="rId9"/>
     <p:sldId id="260" r:id="rId10"/>
+    <p:sldId id="261" r:id="rId11"/>
   </p:sldIdLst>
   <p:sldSz cy="6858000" cx="12192000"/>
   <p:notesSz cx="6858000" cy="9144000"/>
@@ -261,7 +262,7 @@
       </p15:sldGuideLst>
     </p:ext>
     <p:ext uri="http://customooxmlschemas.google.com/">
-      <go:slidesCustomData xmlns:go="http://customooxmlschemas.google.com/" r:id="rId11" roundtripDataSignature="AMtx7mh156b4SGg+qiZpdjtD0HFPywXRJw=="/>
+      <go:slidesCustomData xmlns:go="http://customooxmlschemas.google.com/" r:id="rId12" roundtripDataSignature="AMtx7mjX3ystX23plPWc+2OAM8VOMpeG1g=="/>
     </p:ext>
   </p:extLst>
 </p:presentation>
@@ -969,7 +970,7 @@
       </p:grpSpPr>
       <p:sp>
         <p:nvSpPr>
-          <p:cNvPr id="85" name="Google Shape;85;p2:notes"/>
+          <p:cNvPr id="85" name="Google Shape;85;g5c06838001_0_0:notes"/>
           <p:cNvSpPr/>
           <p:nvPr>
             <p:ph idx="2" type="sldImg"/>
@@ -1014,7 +1015,7 @@
       </p:sp>
       <p:sp>
         <p:nvSpPr>
-          <p:cNvPr id="86" name="Google Shape;86;p2:notes"/>
+          <p:cNvPr id="86" name="Google Shape;86;g5c06838001_0_0:notes"/>
           <p:cNvSpPr txBox="1"/>
           <p:nvPr>
             <p:ph idx="1" type="body"/>
@@ -1086,7 +1087,7 @@
       </p:grpSpPr>
       <p:sp>
         <p:nvSpPr>
-          <p:cNvPr id="92" name="Google Shape;92;g59b1a65cad_0_2:notes"/>
+          <p:cNvPr id="92" name="Google Shape;92;p2:notes"/>
           <p:cNvSpPr/>
           <p:nvPr>
             <p:ph idx="2" type="sldImg"/>
@@ -1131,7 +1132,7 @@
       </p:sp>
       <p:sp>
         <p:nvSpPr>
-          <p:cNvPr id="93" name="Google Shape;93;g59b1a65cad_0_2:notes"/>
+          <p:cNvPr id="93" name="Google Shape;93;p2:notes"/>
           <p:cNvSpPr txBox="1"/>
           <p:nvPr>
             <p:ph idx="1" type="body"/>
@@ -1189,7 +1190,7 @@
   <p:cSld>
     <p:spTree>
       <p:nvGrpSpPr>
-        <p:cNvPr id="100" name="Shape 100"/>
+        <p:cNvPr id="99" name="Shape 99"/>
         <p:cNvGrpSpPr/>
         <p:nvPr/>
       </p:nvGrpSpPr>
@@ -1203,7 +1204,7 @@
       </p:grpSpPr>
       <p:sp>
         <p:nvSpPr>
-          <p:cNvPr id="101" name="Google Shape;101;p7:notes"/>
+          <p:cNvPr id="100" name="Google Shape;100;g59b1a65cad_0_2:notes"/>
           <p:cNvSpPr/>
           <p:nvPr>
             <p:ph idx="2" type="sldImg"/>
@@ -1248,7 +1249,7 @@
       </p:sp>
       <p:sp>
         <p:nvSpPr>
-          <p:cNvPr id="102" name="Google Shape;102;p7:notes"/>
+          <p:cNvPr id="101" name="Google Shape;101;g59b1a65cad_0_2:notes"/>
           <p:cNvSpPr txBox="1"/>
           <p:nvPr>
             <p:ph idx="1" type="body"/>
@@ -1306,7 +1307,7 @@
   <p:cSld>
     <p:spTree>
       <p:nvGrpSpPr>
-        <p:cNvPr id="111" name="Shape 111"/>
+        <p:cNvPr id="108" name="Shape 108"/>
         <p:cNvGrpSpPr/>
         <p:nvPr/>
       </p:nvGrpSpPr>
@@ -1320,7 +1321,7 @@
       </p:grpSpPr>
       <p:sp>
         <p:nvSpPr>
-          <p:cNvPr id="112" name="Google Shape;112;g5bf4bcb015_0_2:notes"/>
+          <p:cNvPr id="109" name="Google Shape;109;p7:notes"/>
           <p:cNvSpPr/>
           <p:nvPr>
             <p:ph idx="2" type="sldImg"/>
@@ -1365,7 +1366,124 @@
       </p:sp>
       <p:sp>
         <p:nvSpPr>
-          <p:cNvPr id="113" name="Google Shape;113;g5bf4bcb015_0_2:notes"/>
+          <p:cNvPr id="110" name="Google Shape;110;p7:notes"/>
+          <p:cNvSpPr txBox="1"/>
+          <p:nvPr>
+            <p:ph idx="1" type="body"/>
+          </p:nvPr>
+        </p:nvSpPr>
+        <p:spPr>
+          <a:xfrm>
+            <a:off x="685800" y="4343400"/>
+            <a:ext cx="5486400" cy="4114800"/>
+          </a:xfrm>
+          <a:prstGeom prst="rect">
+            <a:avLst/>
+          </a:prstGeom>
+          <a:noFill/>
+          <a:ln>
+            <a:noFill/>
+          </a:ln>
+        </p:spPr>
+        <p:txBody>
+          <a:bodyPr anchorCtr="0" anchor="t" bIns="91425" lIns="91425" spcFirstLastPara="1" rIns="91425" wrap="square" tIns="91425">
+            <a:noAutofit/>
+          </a:bodyPr>
+          <a:lstStyle/>
+          <a:p>
+            <a:pPr indent="0" lvl="0" marL="0" rtl="0" algn="l">
+              <a:lnSpc>
+                <a:spcPct val="100000"/>
+              </a:lnSpc>
+              <a:spcBef>
+                <a:spcPts val="0"/>
+              </a:spcBef>
+              <a:spcAft>
+                <a:spcPts val="0"/>
+              </a:spcAft>
+              <a:buSzPts val="1100"/>
+              <a:buNone/>
+            </a:pPr>
+            <a:r>
+              <a:t/>
+            </a:r>
+            <a:endParaRPr/>
+          </a:p>
+        </p:txBody>
+      </p:sp>
+    </p:spTree>
+  </p:cSld>
+  <p:clrMapOvr>
+    <a:masterClrMapping/>
+  </p:clrMapOvr>
+</p:notes>
+</file>
+
+<file path=ppt/notesSlides/notesSlide6.xml><?xml version="1.0" encoding="utf-8"?>
+<p:notes xmlns:a="http://schemas.openxmlformats.org/drawingml/2006/main" xmlns:r="http://schemas.openxmlformats.org/officeDocument/2006/relationships" xmlns:mc="http://schemas.openxmlformats.org/markup-compatibility/2006" xmlns:mv="urn:schemas-microsoft-com:mac:vml" xmlns:p="http://schemas.openxmlformats.org/presentationml/2006/main" xmlns:c="http://schemas.openxmlformats.org/drawingml/2006/chart" xmlns:dgm="http://schemas.openxmlformats.org/drawingml/2006/diagram" xmlns:o="urn:schemas-microsoft-com:office:office" xmlns:v="urn:schemas-microsoft-com:vml" xmlns:pvml="urn:schemas-microsoft-com:office:powerpoint" xmlns:com="http://schemas.openxmlformats.org/drawingml/2006/compatibility" xmlns:p14="http://schemas.microsoft.com/office/powerpoint/2010/main" xmlns:p15="http://schemas.microsoft.com/office/powerpoint/2012/main" showMasterPhAnim="0" showMasterSp="0">
+  <p:cSld>
+    <p:spTree>
+      <p:nvGrpSpPr>
+        <p:cNvPr id="119" name="Shape 119"/>
+        <p:cNvGrpSpPr/>
+        <p:nvPr/>
+      </p:nvGrpSpPr>
+      <p:grpSpPr>
+        <a:xfrm>
+          <a:off x="0" y="0"/>
+          <a:ext cx="0" cy="0"/>
+          <a:chOff x="0" y="0"/>
+          <a:chExt cx="0" cy="0"/>
+        </a:xfrm>
+      </p:grpSpPr>
+      <p:sp>
+        <p:nvSpPr>
+          <p:cNvPr id="120" name="Google Shape;120;g5bf4bcb015_0_2:notes"/>
+          <p:cNvSpPr/>
+          <p:nvPr>
+            <p:ph idx="2" type="sldImg"/>
+          </p:nvPr>
+        </p:nvSpPr>
+        <p:spPr>
+          <a:xfrm>
+            <a:off x="381000" y="685800"/>
+            <a:ext cx="6096000" cy="3429000"/>
+          </a:xfrm>
+          <a:custGeom>
+            <a:rect b="b" l="l" r="r" t="t"/>
+            <a:pathLst>
+              <a:path extrusionOk="0" h="120000" w="120000">
+                <a:moveTo>
+                  <a:pt x="0" y="0"/>
+                </a:moveTo>
+                <a:lnTo>
+                  <a:pt x="120000" y="0"/>
+                </a:lnTo>
+                <a:lnTo>
+                  <a:pt x="120000" y="120000"/>
+                </a:lnTo>
+                <a:lnTo>
+                  <a:pt x="0" y="120000"/>
+                </a:lnTo>
+                <a:close/>
+              </a:path>
+            </a:pathLst>
+          </a:custGeom>
+          <a:noFill/>
+          <a:ln cap="flat" cmpd="sng" w="9525">
+            <a:solidFill>
+              <a:srgbClr val="000000"/>
+            </a:solidFill>
+            <a:prstDash val="solid"/>
+            <a:round/>
+            <a:headEnd len="sm" w="sm" type="none"/>
+            <a:tailEnd len="sm" w="sm" type="none"/>
+          </a:ln>
+        </p:spPr>
+      </p:sp>
+      <p:sp>
+        <p:nvSpPr>
+          <p:cNvPr id="121" name="Google Shape;121;g5bf4bcb015_0_2:notes"/>
           <p:cNvSpPr txBox="1"/>
           <p:nvPr>
             <p:ph idx="1" type="body"/>
@@ -14466,7 +14584,7 @@
       </p:grpSpPr>
       <p:sp>
         <p:nvSpPr>
-          <p:cNvPr id="88" name="Google Shape;88;p2"/>
+          <p:cNvPr id="88" name="Google Shape;88;g5c06838001_0_0"/>
           <p:cNvSpPr txBox="1"/>
           <p:nvPr>
             <p:ph type="title"/>
@@ -14532,7 +14650,7 @@
       </p:sp>
       <p:sp>
         <p:nvSpPr>
-          <p:cNvPr id="89" name="Google Shape;89;p2"/>
+          <p:cNvPr id="89" name="Google Shape;89;g5c06838001_0_0"/>
           <p:cNvSpPr/>
           <p:nvPr/>
         </p:nvSpPr>
@@ -14630,7 +14748,7 @@
       </p:sp>
       <p:pic>
         <p:nvPicPr>
-          <p:cNvPr id="90" name="Google Shape;90;p2"/>
+          <p:cNvPr id="90" name="Google Shape;90;g5c06838001_0_0"/>
           <p:cNvPicPr preferRelativeResize="0"/>
           <p:nvPr/>
         </p:nvPicPr>
@@ -14689,7 +14807,643 @@
       </p:grpSpPr>
       <p:sp>
         <p:nvSpPr>
-          <p:cNvPr id="95" name="Google Shape;95;g59b1a65cad_0_2"/>
+          <p:cNvPr id="95" name="Google Shape;95;p2"/>
+          <p:cNvSpPr txBox="1"/>
+          <p:nvPr>
+            <p:ph type="title"/>
+          </p:nvPr>
+        </p:nvSpPr>
+        <p:spPr>
+          <a:xfrm>
+            <a:off x="0" y="0"/>
+            <a:ext cx="12192000" cy="1140900"/>
+          </a:xfrm>
+          <a:prstGeom prst="rect">
+            <a:avLst/>
+          </a:prstGeom>
+          <a:solidFill>
+            <a:srgbClr val="C00000"/>
+          </a:solidFill>
+          <a:ln>
+            <a:noFill/>
+          </a:ln>
+        </p:spPr>
+        <p:txBody>
+          <a:bodyPr anchorCtr="0" anchor="ctr" bIns="45700" lIns="91425" spcFirstLastPara="1" rIns="91425" wrap="square" tIns="45700">
+            <a:noAutofit/>
+          </a:bodyPr>
+          <a:lstStyle/>
+          <a:p>
+            <a:pPr indent="0" lvl="0" marL="0" rtl="0" algn="ctr">
+              <a:lnSpc>
+                <a:spcPct val="90000"/>
+              </a:lnSpc>
+              <a:spcBef>
+                <a:spcPts val="0"/>
+              </a:spcBef>
+              <a:spcAft>
+                <a:spcPts val="0"/>
+              </a:spcAft>
+              <a:buSzPts val="1800"/>
+              <a:buNone/>
+            </a:pPr>
+            <a:r>
+              <a:rPr b="1" lang="en-US">
+                <a:solidFill>
+                  <a:srgbClr val="FFFFFF"/>
+                </a:solidFill>
+                <a:latin typeface="Roboto"/>
+                <a:ea typeface="Roboto"/>
+                <a:cs typeface="Roboto"/>
+                <a:sym typeface="Roboto"/>
+              </a:rPr>
+              <a:t>APPROACH</a:t>
+            </a:r>
+            <a:endParaRPr b="1">
+              <a:solidFill>
+                <a:srgbClr val="FFFFFF"/>
+              </a:solidFill>
+              <a:latin typeface="Roboto"/>
+              <a:ea typeface="Roboto"/>
+              <a:cs typeface="Roboto"/>
+              <a:sym typeface="Roboto"/>
+            </a:endParaRPr>
+          </a:p>
+        </p:txBody>
+      </p:sp>
+      <p:sp>
+        <p:nvSpPr>
+          <p:cNvPr id="96" name="Google Shape;96;p2"/>
+          <p:cNvSpPr/>
+          <p:nvPr/>
+        </p:nvSpPr>
+        <p:spPr>
+          <a:xfrm>
+            <a:off x="469900" y="1683400"/>
+            <a:ext cx="6486000" cy="4602300"/>
+          </a:xfrm>
+          <a:prstGeom prst="rect">
+            <a:avLst/>
+          </a:prstGeom>
+          <a:noFill/>
+          <a:ln cap="flat" cmpd="sng" w="9525">
+            <a:solidFill>
+              <a:srgbClr val="FFFFFF"/>
+            </a:solidFill>
+            <a:prstDash val="solid"/>
+            <a:round/>
+            <a:headEnd len="sm" w="sm" type="none"/>
+            <a:tailEnd len="sm" w="sm" type="none"/>
+          </a:ln>
+        </p:spPr>
+        <p:txBody>
+          <a:bodyPr anchorCtr="0" anchor="t" bIns="45700" lIns="91425" spcFirstLastPara="1" rIns="91425" wrap="square" tIns="45700">
+            <a:noAutofit/>
+          </a:bodyPr>
+          <a:lstStyle/>
+          <a:p>
+            <a:pPr indent="-381000" lvl="0" marL="457200" rtl="0" algn="l">
+              <a:lnSpc>
+                <a:spcPct val="115000"/>
+              </a:lnSpc>
+              <a:spcBef>
+                <a:spcPts val="0"/>
+              </a:spcBef>
+              <a:spcAft>
+                <a:spcPts val="0"/>
+              </a:spcAft>
+              <a:buClr>
+                <a:schemeClr val="dk1"/>
+              </a:buClr>
+              <a:buSzPts val="2400"/>
+              <a:buFont typeface="Roboto"/>
+              <a:buChar char="●"/>
+            </a:pPr>
+            <a:r>
+              <a:rPr lang="en-US" sz="2400">
+                <a:solidFill>
+                  <a:schemeClr val="dk1"/>
+                </a:solidFill>
+                <a:latin typeface="Roboto"/>
+                <a:ea typeface="Roboto"/>
+                <a:cs typeface="Roboto"/>
+                <a:sym typeface="Roboto"/>
+              </a:rPr>
+              <a:t>Identify theme &amp; data sources</a:t>
+            </a:r>
+            <a:endParaRPr sz="2400">
+              <a:solidFill>
+                <a:schemeClr val="dk1"/>
+              </a:solidFill>
+              <a:latin typeface="Roboto"/>
+              <a:ea typeface="Roboto"/>
+              <a:cs typeface="Roboto"/>
+              <a:sym typeface="Roboto"/>
+            </a:endParaRPr>
+          </a:p>
+          <a:p>
+            <a:pPr indent="-381000" lvl="1" marL="914400" rtl="0" algn="l">
+              <a:lnSpc>
+                <a:spcPct val="115000"/>
+              </a:lnSpc>
+              <a:spcBef>
+                <a:spcPts val="0"/>
+              </a:spcBef>
+              <a:spcAft>
+                <a:spcPts val="0"/>
+              </a:spcAft>
+              <a:buClr>
+                <a:schemeClr val="dk1"/>
+              </a:buClr>
+              <a:buSzPts val="2400"/>
+              <a:buFont typeface="Roboto"/>
+              <a:buChar char="○"/>
+            </a:pPr>
+            <a:r>
+              <a:rPr lang="en-US" sz="2400">
+                <a:solidFill>
+                  <a:schemeClr val="dk1"/>
+                </a:solidFill>
+                <a:latin typeface="Roboto"/>
+                <a:ea typeface="Roboto"/>
+                <a:cs typeface="Roboto"/>
+                <a:sym typeface="Roboto"/>
+              </a:rPr>
+              <a:t>Assess data limitations </a:t>
+            </a:r>
+            <a:endParaRPr sz="2400">
+              <a:solidFill>
+                <a:schemeClr val="dk1"/>
+              </a:solidFill>
+              <a:latin typeface="Roboto"/>
+              <a:ea typeface="Roboto"/>
+              <a:cs typeface="Roboto"/>
+              <a:sym typeface="Roboto"/>
+            </a:endParaRPr>
+          </a:p>
+          <a:p>
+            <a:pPr indent="-381000" lvl="1" marL="914400" rtl="0" algn="l">
+              <a:lnSpc>
+                <a:spcPct val="115000"/>
+              </a:lnSpc>
+              <a:spcBef>
+                <a:spcPts val="0"/>
+              </a:spcBef>
+              <a:spcAft>
+                <a:spcPts val="0"/>
+              </a:spcAft>
+              <a:buClr>
+                <a:schemeClr val="dk1"/>
+              </a:buClr>
+              <a:buSzPts val="2400"/>
+              <a:buFont typeface="Roboto"/>
+              <a:buChar char="○"/>
+            </a:pPr>
+            <a:r>
+              <a:rPr lang="en-US" sz="2400">
+                <a:solidFill>
+                  <a:schemeClr val="dk1"/>
+                </a:solidFill>
+                <a:latin typeface="Roboto"/>
+                <a:ea typeface="Roboto"/>
+                <a:cs typeface="Roboto"/>
+                <a:sym typeface="Roboto"/>
+              </a:rPr>
+              <a:t>Define assumptions </a:t>
+            </a:r>
+            <a:endParaRPr sz="2400">
+              <a:solidFill>
+                <a:schemeClr val="dk1"/>
+              </a:solidFill>
+              <a:latin typeface="Roboto"/>
+              <a:ea typeface="Roboto"/>
+              <a:cs typeface="Roboto"/>
+              <a:sym typeface="Roboto"/>
+            </a:endParaRPr>
+          </a:p>
+          <a:p>
+            <a:pPr indent="-381000" lvl="0" marL="457200" rtl="0" algn="l">
+              <a:lnSpc>
+                <a:spcPct val="115000"/>
+              </a:lnSpc>
+              <a:spcBef>
+                <a:spcPts val="0"/>
+              </a:spcBef>
+              <a:spcAft>
+                <a:spcPts val="0"/>
+              </a:spcAft>
+              <a:buClr>
+                <a:schemeClr val="dk1"/>
+              </a:buClr>
+              <a:buSzPts val="2400"/>
+              <a:buFont typeface="Roboto"/>
+              <a:buChar char="●"/>
+            </a:pPr>
+            <a:r>
+              <a:rPr lang="en-US" sz="2400">
+                <a:solidFill>
+                  <a:schemeClr val="dk1"/>
+                </a:solidFill>
+                <a:latin typeface="Roboto"/>
+                <a:ea typeface="Roboto"/>
+                <a:cs typeface="Roboto"/>
+                <a:sym typeface="Roboto"/>
+              </a:rPr>
+              <a:t>Planning session </a:t>
+            </a:r>
+            <a:endParaRPr sz="2400">
+              <a:solidFill>
+                <a:schemeClr val="dk1"/>
+              </a:solidFill>
+              <a:latin typeface="Roboto"/>
+              <a:ea typeface="Roboto"/>
+              <a:cs typeface="Roboto"/>
+              <a:sym typeface="Roboto"/>
+            </a:endParaRPr>
+          </a:p>
+          <a:p>
+            <a:pPr indent="-381000" lvl="1" marL="914400" rtl="0" algn="l">
+              <a:lnSpc>
+                <a:spcPct val="115000"/>
+              </a:lnSpc>
+              <a:spcBef>
+                <a:spcPts val="0"/>
+              </a:spcBef>
+              <a:spcAft>
+                <a:spcPts val="0"/>
+              </a:spcAft>
+              <a:buClr>
+                <a:schemeClr val="dk1"/>
+              </a:buClr>
+              <a:buSzPts val="2400"/>
+              <a:buFont typeface="Roboto"/>
+              <a:buChar char="○"/>
+            </a:pPr>
+            <a:r>
+              <a:rPr lang="en-US" sz="2400">
+                <a:solidFill>
+                  <a:schemeClr val="dk1"/>
+                </a:solidFill>
+                <a:latin typeface="Roboto"/>
+                <a:ea typeface="Roboto"/>
+                <a:cs typeface="Roboto"/>
+                <a:sym typeface="Roboto"/>
+              </a:rPr>
+              <a:t>Identify visualizations &amp; data tools </a:t>
+            </a:r>
+            <a:endParaRPr sz="2400">
+              <a:solidFill>
+                <a:schemeClr val="dk1"/>
+              </a:solidFill>
+              <a:latin typeface="Roboto"/>
+              <a:ea typeface="Roboto"/>
+              <a:cs typeface="Roboto"/>
+              <a:sym typeface="Roboto"/>
+            </a:endParaRPr>
+          </a:p>
+          <a:p>
+            <a:pPr indent="-381000" lvl="1" marL="914400" rtl="0" algn="l">
+              <a:lnSpc>
+                <a:spcPct val="115000"/>
+              </a:lnSpc>
+              <a:spcBef>
+                <a:spcPts val="0"/>
+              </a:spcBef>
+              <a:spcAft>
+                <a:spcPts val="0"/>
+              </a:spcAft>
+              <a:buClr>
+                <a:schemeClr val="dk1"/>
+              </a:buClr>
+              <a:buSzPts val="2400"/>
+              <a:buFont typeface="Roboto"/>
+              <a:buChar char="○"/>
+            </a:pPr>
+            <a:r>
+              <a:rPr lang="en-US" sz="2400">
+                <a:solidFill>
+                  <a:schemeClr val="dk1"/>
+                </a:solidFill>
+                <a:latin typeface="Roboto"/>
+                <a:ea typeface="Roboto"/>
+                <a:cs typeface="Roboto"/>
+                <a:sym typeface="Roboto"/>
+              </a:rPr>
+              <a:t>Identify &amp; assign tasks </a:t>
+            </a:r>
+            <a:endParaRPr sz="2400">
+              <a:solidFill>
+                <a:schemeClr val="dk1"/>
+              </a:solidFill>
+              <a:latin typeface="Roboto"/>
+              <a:ea typeface="Roboto"/>
+              <a:cs typeface="Roboto"/>
+              <a:sym typeface="Roboto"/>
+            </a:endParaRPr>
+          </a:p>
+          <a:p>
+            <a:pPr indent="-381000" lvl="1" marL="914400" rtl="0" algn="l">
+              <a:lnSpc>
+                <a:spcPct val="115000"/>
+              </a:lnSpc>
+              <a:spcBef>
+                <a:spcPts val="0"/>
+              </a:spcBef>
+              <a:spcAft>
+                <a:spcPts val="0"/>
+              </a:spcAft>
+              <a:buClr>
+                <a:schemeClr val="dk1"/>
+              </a:buClr>
+              <a:buSzPts val="2400"/>
+              <a:buFont typeface="Roboto"/>
+              <a:buChar char="○"/>
+            </a:pPr>
+            <a:r>
+              <a:rPr lang="en-US" sz="2400">
+                <a:solidFill>
+                  <a:schemeClr val="dk1"/>
+                </a:solidFill>
+                <a:latin typeface="Roboto"/>
+                <a:ea typeface="Roboto"/>
+                <a:cs typeface="Roboto"/>
+                <a:sym typeface="Roboto"/>
+              </a:rPr>
+              <a:t>Establish milestones</a:t>
+            </a:r>
+            <a:endParaRPr sz="2400">
+              <a:solidFill>
+                <a:schemeClr val="dk1"/>
+              </a:solidFill>
+              <a:latin typeface="Roboto"/>
+              <a:ea typeface="Roboto"/>
+              <a:cs typeface="Roboto"/>
+              <a:sym typeface="Roboto"/>
+            </a:endParaRPr>
+          </a:p>
+          <a:p>
+            <a:pPr indent="-381000" lvl="0" marL="457200" rtl="0" algn="l">
+              <a:lnSpc>
+                <a:spcPct val="115000"/>
+              </a:lnSpc>
+              <a:spcBef>
+                <a:spcPts val="0"/>
+              </a:spcBef>
+              <a:spcAft>
+                <a:spcPts val="0"/>
+              </a:spcAft>
+              <a:buClr>
+                <a:schemeClr val="dk1"/>
+              </a:buClr>
+              <a:buSzPts val="2400"/>
+              <a:buFont typeface="Roboto"/>
+              <a:buChar char="●"/>
+            </a:pPr>
+            <a:r>
+              <a:rPr lang="en-US" sz="2400">
+                <a:solidFill>
+                  <a:schemeClr val="dk1"/>
+                </a:solidFill>
+                <a:latin typeface="Roboto"/>
+                <a:ea typeface="Roboto"/>
+                <a:cs typeface="Roboto"/>
+                <a:sym typeface="Roboto"/>
+              </a:rPr>
+              <a:t>Project work</a:t>
+            </a:r>
+            <a:endParaRPr sz="2400">
+              <a:solidFill>
+                <a:schemeClr val="dk1"/>
+              </a:solidFill>
+              <a:latin typeface="Roboto"/>
+              <a:ea typeface="Roboto"/>
+              <a:cs typeface="Roboto"/>
+              <a:sym typeface="Roboto"/>
+            </a:endParaRPr>
+          </a:p>
+          <a:p>
+            <a:pPr indent="-381000" lvl="0" marL="457200" rtl="0" algn="l">
+              <a:lnSpc>
+                <a:spcPct val="115000"/>
+              </a:lnSpc>
+              <a:spcBef>
+                <a:spcPts val="0"/>
+              </a:spcBef>
+              <a:spcAft>
+                <a:spcPts val="0"/>
+              </a:spcAft>
+              <a:buClr>
+                <a:schemeClr val="dk1"/>
+              </a:buClr>
+              <a:buSzPts val="2400"/>
+              <a:buFont typeface="Roboto"/>
+              <a:buChar char="●"/>
+            </a:pPr>
+            <a:r>
+              <a:rPr lang="en-US" sz="2400">
+                <a:solidFill>
+                  <a:schemeClr val="dk1"/>
+                </a:solidFill>
+                <a:latin typeface="Roboto"/>
+                <a:ea typeface="Roboto"/>
+                <a:cs typeface="Roboto"/>
+                <a:sym typeface="Roboto"/>
+              </a:rPr>
+              <a:t>Testing </a:t>
+            </a:r>
+            <a:endParaRPr sz="2400">
+              <a:solidFill>
+                <a:schemeClr val="dk1"/>
+              </a:solidFill>
+              <a:latin typeface="Roboto"/>
+              <a:ea typeface="Roboto"/>
+              <a:cs typeface="Roboto"/>
+              <a:sym typeface="Roboto"/>
+            </a:endParaRPr>
+          </a:p>
+          <a:p>
+            <a:pPr indent="-381000" lvl="0" marL="457200" rtl="0" algn="l">
+              <a:lnSpc>
+                <a:spcPct val="115000"/>
+              </a:lnSpc>
+              <a:spcBef>
+                <a:spcPts val="0"/>
+              </a:spcBef>
+              <a:spcAft>
+                <a:spcPts val="0"/>
+              </a:spcAft>
+              <a:buClr>
+                <a:schemeClr val="dk1"/>
+              </a:buClr>
+              <a:buSzPts val="2400"/>
+              <a:buFont typeface="Roboto"/>
+              <a:buChar char="●"/>
+            </a:pPr>
+            <a:r>
+              <a:rPr lang="en-US" sz="2400">
+                <a:solidFill>
+                  <a:schemeClr val="dk1"/>
+                </a:solidFill>
+                <a:latin typeface="Roboto"/>
+                <a:ea typeface="Roboto"/>
+                <a:cs typeface="Roboto"/>
+                <a:sym typeface="Roboto"/>
+              </a:rPr>
+              <a:t>Completion </a:t>
+            </a:r>
+            <a:endParaRPr sz="2400">
+              <a:solidFill>
+                <a:schemeClr val="dk1"/>
+              </a:solidFill>
+              <a:latin typeface="Roboto"/>
+              <a:ea typeface="Roboto"/>
+              <a:cs typeface="Roboto"/>
+              <a:sym typeface="Roboto"/>
+            </a:endParaRPr>
+          </a:p>
+          <a:p>
+            <a:pPr indent="0" lvl="0" marL="0" rtl="0" algn="l">
+              <a:lnSpc>
+                <a:spcPct val="115000"/>
+              </a:lnSpc>
+              <a:spcBef>
+                <a:spcPts val="0"/>
+              </a:spcBef>
+              <a:spcAft>
+                <a:spcPts val="0"/>
+              </a:spcAft>
+              <a:buNone/>
+            </a:pPr>
+            <a:r>
+              <a:t/>
+            </a:r>
+            <a:endParaRPr sz="2400">
+              <a:solidFill>
+                <a:schemeClr val="dk1"/>
+              </a:solidFill>
+              <a:latin typeface="Roboto"/>
+              <a:ea typeface="Roboto"/>
+              <a:cs typeface="Roboto"/>
+              <a:sym typeface="Roboto"/>
+            </a:endParaRPr>
+          </a:p>
+          <a:p>
+            <a:pPr indent="0" lvl="0" marL="0" rtl="0" algn="l">
+              <a:lnSpc>
+                <a:spcPct val="115000"/>
+              </a:lnSpc>
+              <a:spcBef>
+                <a:spcPts val="0"/>
+              </a:spcBef>
+              <a:spcAft>
+                <a:spcPts val="0"/>
+              </a:spcAft>
+              <a:buClr>
+                <a:schemeClr val="dk1"/>
+              </a:buClr>
+              <a:buSzPts val="1100"/>
+              <a:buFont typeface="Arial"/>
+              <a:buNone/>
+            </a:pPr>
+            <a:r>
+              <a:t/>
+            </a:r>
+            <a:endParaRPr sz="2400">
+              <a:solidFill>
+                <a:schemeClr val="dk1"/>
+              </a:solidFill>
+              <a:latin typeface="Roboto"/>
+              <a:ea typeface="Roboto"/>
+              <a:cs typeface="Roboto"/>
+              <a:sym typeface="Roboto"/>
+            </a:endParaRPr>
+          </a:p>
+        </p:txBody>
+      </p:sp>
+      <p:pic>
+        <p:nvPicPr>
+          <p:cNvPr id="97" name="Google Shape;97;p2"/>
+          <p:cNvPicPr preferRelativeResize="0"/>
+          <p:nvPr/>
+        </p:nvPicPr>
+        <p:blipFill>
+          <a:blip r:embed="rId3">
+            <a:alphaModFix/>
+          </a:blip>
+          <a:stretch>
+            <a:fillRect/>
+          </a:stretch>
+        </p:blipFill>
+        <p:spPr>
+          <a:xfrm>
+            <a:off x="7567400" y="1468788"/>
+            <a:ext cx="4079846" cy="2583481"/>
+          </a:xfrm>
+          <a:prstGeom prst="rect">
+            <a:avLst/>
+          </a:prstGeom>
+          <a:noFill/>
+          <a:ln>
+            <a:noFill/>
+          </a:ln>
+        </p:spPr>
+      </p:pic>
+      <p:pic>
+        <p:nvPicPr>
+          <p:cNvPr id="98" name="Google Shape;98;p2"/>
+          <p:cNvPicPr preferRelativeResize="0"/>
+          <p:nvPr/>
+        </p:nvPicPr>
+        <p:blipFill>
+          <a:blip r:embed="rId4">
+            <a:alphaModFix/>
+          </a:blip>
+          <a:stretch>
+            <a:fillRect/>
+          </a:stretch>
+        </p:blipFill>
+        <p:spPr>
+          <a:xfrm>
+            <a:off x="7567400" y="4137824"/>
+            <a:ext cx="4079841" cy="2376501"/>
+          </a:xfrm>
+          <a:prstGeom prst="rect">
+            <a:avLst/>
+          </a:prstGeom>
+          <a:noFill/>
+          <a:ln>
+            <a:noFill/>
+          </a:ln>
+        </p:spPr>
+      </p:pic>
+    </p:spTree>
+  </p:cSld>
+  <p:clrMapOvr>
+    <a:masterClrMapping/>
+  </p:clrMapOvr>
+</p:sld>
+</file>
+
+<file path=ppt/slides/slide4.xml><?xml version="1.0" encoding="utf-8"?>
+<p:sld xmlns:a="http://schemas.openxmlformats.org/drawingml/2006/main" xmlns:r="http://schemas.openxmlformats.org/officeDocument/2006/relationships" xmlns:mc="http://schemas.openxmlformats.org/markup-compatibility/2006" xmlns:mv="urn:schemas-microsoft-com:mac:vml" xmlns:p="http://schemas.openxmlformats.org/presentationml/2006/main" xmlns:c="http://schemas.openxmlformats.org/drawingml/2006/chart" xmlns:dgm="http://schemas.openxmlformats.org/drawingml/2006/diagram" xmlns:o="urn:schemas-microsoft-com:office:office" xmlns:v="urn:schemas-microsoft-com:vml" xmlns:pvml="urn:schemas-microsoft-com:office:powerpoint" xmlns:com="http://schemas.openxmlformats.org/drawingml/2006/compatibility" xmlns:p14="http://schemas.microsoft.com/office/powerpoint/2010/main" xmlns:p15="http://schemas.microsoft.com/office/powerpoint/2012/main">
+  <p:cSld>
+    <p:spTree>
+      <p:nvGrpSpPr>
+        <p:cNvPr id="102" name="Shape 102"/>
+        <p:cNvGrpSpPr/>
+        <p:nvPr/>
+      </p:nvGrpSpPr>
+      <p:grpSpPr>
+        <a:xfrm>
+          <a:off x="0" y="0"/>
+          <a:ext cx="0" cy="0"/>
+          <a:chOff x="0" y="0"/>
+          <a:chExt cx="0" cy="0"/>
+        </a:xfrm>
+      </p:grpSpPr>
+      <p:sp>
+        <p:nvSpPr>
+          <p:cNvPr id="103" name="Google Shape;103;g59b1a65cad_0_2"/>
           <p:cNvSpPr txBox="1"/>
           <p:nvPr>
             <p:ph type="title"/>
@@ -14755,7 +15509,7 @@
       </p:sp>
       <p:sp>
         <p:nvSpPr>
-          <p:cNvPr id="96" name="Google Shape;96;g59b1a65cad_0_2"/>
+          <p:cNvPr id="104" name="Google Shape;104;g59b1a65cad_0_2"/>
           <p:cNvSpPr/>
           <p:nvPr/>
         </p:nvSpPr>
@@ -15306,7 +16060,7 @@
       </p:sp>
       <p:sp>
         <p:nvSpPr>
-          <p:cNvPr id="97" name="Google Shape;97;g59b1a65cad_0_2"/>
+          <p:cNvPr id="105" name="Google Shape;105;g59b1a65cad_0_2"/>
           <p:cNvSpPr/>
           <p:nvPr/>
         </p:nvSpPr>
@@ -15819,7 +16573,7 @@
       </p:sp>
       <p:sp>
         <p:nvSpPr>
-          <p:cNvPr id="98" name="Google Shape;98;g59b1a65cad_0_2"/>
+          <p:cNvPr id="106" name="Google Shape;106;g59b1a65cad_0_2"/>
           <p:cNvSpPr txBox="1"/>
           <p:nvPr/>
         </p:nvSpPr>
@@ -15887,7 +16641,7 @@
       </p:sp>
       <p:sp>
         <p:nvSpPr>
-          <p:cNvPr id="99" name="Google Shape;99;g59b1a65cad_0_2"/>
+          <p:cNvPr id="107" name="Google Shape;107;g59b1a65cad_0_2"/>
           <p:cNvSpPr txBox="1"/>
           <p:nvPr/>
         </p:nvSpPr>
@@ -15961,12 +16715,12 @@
 </p:sld>
 </file>
 
-<file path=ppt/slides/slide4.xml><?xml version="1.0" encoding="utf-8"?>
+<file path=ppt/slides/slide5.xml><?xml version="1.0" encoding="utf-8"?>
 <p:sld xmlns:a="http://schemas.openxmlformats.org/drawingml/2006/main" xmlns:r="http://schemas.openxmlformats.org/officeDocument/2006/relationships" xmlns:mc="http://schemas.openxmlformats.org/markup-compatibility/2006" xmlns:mv="urn:schemas-microsoft-com:mac:vml" xmlns:p="http://schemas.openxmlformats.org/presentationml/2006/main" xmlns:c="http://schemas.openxmlformats.org/drawingml/2006/chart" xmlns:dgm="http://schemas.openxmlformats.org/drawingml/2006/diagram" xmlns:o="urn:schemas-microsoft-com:office:office" xmlns:v="urn:schemas-microsoft-com:vml" xmlns:pvml="urn:schemas-microsoft-com:office:powerpoint" xmlns:com="http://schemas.openxmlformats.org/drawingml/2006/compatibility" xmlns:p14="http://schemas.microsoft.com/office/powerpoint/2010/main" xmlns:p15="http://schemas.microsoft.com/office/powerpoint/2012/main">
   <p:cSld>
     <p:spTree>
       <p:nvGrpSpPr>
-        <p:cNvPr id="103" name="Shape 103"/>
+        <p:cNvPr id="111" name="Shape 111"/>
         <p:cNvGrpSpPr/>
         <p:nvPr/>
       </p:nvGrpSpPr>
@@ -15980,7 +16734,7 @@
       </p:grpSpPr>
       <p:sp>
         <p:nvSpPr>
-          <p:cNvPr id="104" name="Google Shape;104;p7"/>
+          <p:cNvPr id="112" name="Google Shape;112;p7"/>
           <p:cNvSpPr txBox="1"/>
           <p:nvPr>
             <p:ph type="title"/>
@@ -16058,7 +16812,7 @@
       </p:sp>
       <p:sp>
         <p:nvSpPr>
-          <p:cNvPr id="105" name="Google Shape;105;p7"/>
+          <p:cNvPr id="113" name="Google Shape;113;p7"/>
           <p:cNvSpPr/>
           <p:nvPr/>
         </p:nvSpPr>
@@ -16417,7 +17171,7 @@
       </p:sp>
       <p:sp>
         <p:nvSpPr>
-          <p:cNvPr id="106" name="Google Shape;106;p7"/>
+          <p:cNvPr id="114" name="Google Shape;114;p7"/>
           <p:cNvSpPr/>
           <p:nvPr/>
         </p:nvSpPr>
@@ -17024,7 +17778,7 @@
       </p:sp>
       <p:sp>
         <p:nvSpPr>
-          <p:cNvPr id="107" name="Google Shape;107;p7"/>
+          <p:cNvPr id="115" name="Google Shape;115;p7"/>
           <p:cNvSpPr/>
           <p:nvPr/>
         </p:nvSpPr>
@@ -17331,7 +18085,7 @@
       </p:sp>
       <p:sp>
         <p:nvSpPr>
-          <p:cNvPr id="108" name="Google Shape;108;p7"/>
+          <p:cNvPr id="116" name="Google Shape;116;p7"/>
           <p:cNvSpPr txBox="1"/>
           <p:nvPr/>
         </p:nvSpPr>
@@ -17399,7 +18153,7 @@
       </p:sp>
       <p:sp>
         <p:nvSpPr>
-          <p:cNvPr id="109" name="Google Shape;109;p7"/>
+          <p:cNvPr id="117" name="Google Shape;117;p7"/>
           <p:cNvSpPr txBox="1"/>
           <p:nvPr/>
         </p:nvSpPr>
@@ -17467,7 +18221,7 @@
       </p:sp>
       <p:sp>
         <p:nvSpPr>
-          <p:cNvPr id="110" name="Google Shape;110;p7"/>
+          <p:cNvPr id="118" name="Google Shape;118;p7"/>
           <p:cNvSpPr txBox="1"/>
           <p:nvPr/>
         </p:nvSpPr>
@@ -17541,12 +18295,12 @@
 </p:sld>
 </file>
 
-<file path=ppt/slides/slide5.xml><?xml version="1.0" encoding="utf-8"?>
+<file path=ppt/slides/slide6.xml><?xml version="1.0" encoding="utf-8"?>
 <p:sld xmlns:a="http://schemas.openxmlformats.org/drawingml/2006/main" xmlns:r="http://schemas.openxmlformats.org/officeDocument/2006/relationships" xmlns:mc="http://schemas.openxmlformats.org/markup-compatibility/2006" xmlns:mv="urn:schemas-microsoft-com:mac:vml" xmlns:p="http://schemas.openxmlformats.org/presentationml/2006/main" xmlns:c="http://schemas.openxmlformats.org/drawingml/2006/chart" xmlns:dgm="http://schemas.openxmlformats.org/drawingml/2006/diagram" xmlns:o="urn:schemas-microsoft-com:office:office" xmlns:v="urn:schemas-microsoft-com:vml" xmlns:pvml="urn:schemas-microsoft-com:office:powerpoint" xmlns:com="http://schemas.openxmlformats.org/drawingml/2006/compatibility" xmlns:p14="http://schemas.microsoft.com/office/powerpoint/2010/main" xmlns:p15="http://schemas.microsoft.com/office/powerpoint/2012/main">
   <p:cSld>
     <p:spTree>
       <p:nvGrpSpPr>
-        <p:cNvPr id="114" name="Shape 114"/>
+        <p:cNvPr id="122" name="Shape 122"/>
         <p:cNvGrpSpPr/>
         <p:nvPr/>
       </p:nvGrpSpPr>
@@ -17560,7 +18314,7 @@
       </p:grpSpPr>
       <p:sp>
         <p:nvSpPr>
-          <p:cNvPr id="115" name="Google Shape;115;g5bf4bcb015_0_2"/>
+          <p:cNvPr id="123" name="Google Shape;123;g5bf4bcb015_0_2"/>
           <p:cNvSpPr txBox="1"/>
           <p:nvPr>
             <p:ph type="title"/>
@@ -17638,7 +18392,7 @@
       </p:sp>
       <p:sp>
         <p:nvSpPr>
-          <p:cNvPr id="116" name="Google Shape;116;g5bf4bcb015_0_2"/>
+          <p:cNvPr id="124" name="Google Shape;124;g5bf4bcb015_0_2"/>
           <p:cNvSpPr/>
           <p:nvPr/>
         </p:nvSpPr>
@@ -17953,7 +18707,7 @@
       </p:sp>
       <p:sp>
         <p:nvSpPr>
-          <p:cNvPr id="117" name="Google Shape;117;g5bf4bcb015_0_2"/>
+          <p:cNvPr id="125" name="Google Shape;125;g5bf4bcb015_0_2"/>
           <p:cNvSpPr/>
           <p:nvPr/>
         </p:nvSpPr>
@@ -18251,7 +19005,7 @@
       </p:sp>
       <p:sp>
         <p:nvSpPr>
-          <p:cNvPr id="118" name="Google Shape;118;g5bf4bcb015_0_2"/>
+          <p:cNvPr id="126" name="Google Shape;126;g5bf4bcb015_0_2"/>
           <p:cNvSpPr txBox="1"/>
           <p:nvPr/>
         </p:nvSpPr>
@@ -18319,7 +19073,7 @@
       </p:sp>
       <p:sp>
         <p:nvSpPr>
-          <p:cNvPr id="119" name="Google Shape;119;g5bf4bcb015_0_2"/>
+          <p:cNvPr id="127" name="Google Shape;127;g5bf4bcb015_0_2"/>
           <p:cNvSpPr txBox="1"/>
           <p:nvPr/>
         </p:nvSpPr>
